--- a/presentation_2.2.pptx
+++ b/presentation_2.2.pptx
@@ -783,11 +783,11 @@
         </c:dLbls>
         <c:gapWidth val="219"/>
         <c:overlap val="-27"/>
-        <c:axId val="977846224"/>
-        <c:axId val="991489904"/>
+        <c:axId val="-93519888"/>
+        <c:axId val="-40732288"/>
       </c:barChart>
       <c:catAx>
-        <c:axId val="977846224"/>
+        <c:axId val="-93519888"/>
         <c:scaling>
           <c:orientation val="minMax"/>
         </c:scaling>
@@ -830,7 +830,7 @@
             <a:endParaRPr lang="en-US"/>
           </a:p>
         </c:txPr>
-        <c:crossAx val="991489904"/>
+        <c:crossAx val="-40732288"/>
         <c:crosses val="autoZero"/>
         <c:auto val="1"/>
         <c:lblAlgn val="ctr"/>
@@ -838,7 +838,7 @@
         <c:noMultiLvlLbl val="0"/>
       </c:catAx>
       <c:valAx>
-        <c:axId val="991489904"/>
+        <c:axId val="-40732288"/>
         <c:scaling>
           <c:logBase val="10.0"/>
           <c:orientation val="minMax"/>
@@ -890,7 +890,7 @@
             <a:endParaRPr lang="en-US"/>
           </a:p>
         </c:txPr>
-        <c:crossAx val="977846224"/>
+        <c:crossAx val="-93519888"/>
         <c:crosses val="autoZero"/>
         <c:crossBetween val="between"/>
       </c:valAx>
@@ -1141,7 +1141,7 @@
           <a:p>
             <a:fld id="{1564F22A-2C15-CB4B-A439-377E2FE6E35F}" type="datetimeFigureOut">
               <a:rPr lang="en-US" smtClean="0"/>
-              <a:t>5/18/17</a:t>
+              <a:t>6/11/17</a:t>
             </a:fld>
             <a:endParaRPr lang="en-US"/>
           </a:p>
@@ -1311,7 +1311,7 @@
           <a:p>
             <a:fld id="{1564F22A-2C15-CB4B-A439-377E2FE6E35F}" type="datetimeFigureOut">
               <a:rPr lang="en-US" smtClean="0"/>
-              <a:t>5/18/17</a:t>
+              <a:t>6/11/17</a:t>
             </a:fld>
             <a:endParaRPr lang="en-US"/>
           </a:p>
@@ -1491,7 +1491,7 @@
           <a:p>
             <a:fld id="{1564F22A-2C15-CB4B-A439-377E2FE6E35F}" type="datetimeFigureOut">
               <a:rPr lang="en-US" smtClean="0"/>
-              <a:t>5/18/17</a:t>
+              <a:t>6/11/17</a:t>
             </a:fld>
             <a:endParaRPr lang="en-US"/>
           </a:p>
@@ -1661,7 +1661,7 @@
           <a:p>
             <a:fld id="{1564F22A-2C15-CB4B-A439-377E2FE6E35F}" type="datetimeFigureOut">
               <a:rPr lang="en-US" smtClean="0"/>
-              <a:t>5/18/17</a:t>
+              <a:t>6/11/17</a:t>
             </a:fld>
             <a:endParaRPr lang="en-US"/>
           </a:p>
@@ -1907,7 +1907,7 @@
           <a:p>
             <a:fld id="{1564F22A-2C15-CB4B-A439-377E2FE6E35F}" type="datetimeFigureOut">
               <a:rPr lang="en-US" smtClean="0"/>
-              <a:t>5/18/17</a:t>
+              <a:t>6/11/17</a:t>
             </a:fld>
             <a:endParaRPr lang="en-US"/>
           </a:p>
@@ -2195,7 +2195,7 @@
           <a:p>
             <a:fld id="{1564F22A-2C15-CB4B-A439-377E2FE6E35F}" type="datetimeFigureOut">
               <a:rPr lang="en-US" smtClean="0"/>
-              <a:t>5/18/17</a:t>
+              <a:t>6/11/17</a:t>
             </a:fld>
             <a:endParaRPr lang="en-US"/>
           </a:p>
@@ -2617,7 +2617,7 @@
           <a:p>
             <a:fld id="{1564F22A-2C15-CB4B-A439-377E2FE6E35F}" type="datetimeFigureOut">
               <a:rPr lang="en-US" smtClean="0"/>
-              <a:t>5/18/17</a:t>
+              <a:t>6/11/17</a:t>
             </a:fld>
             <a:endParaRPr lang="en-US"/>
           </a:p>
@@ -2735,7 +2735,7 @@
           <a:p>
             <a:fld id="{1564F22A-2C15-CB4B-A439-377E2FE6E35F}" type="datetimeFigureOut">
               <a:rPr lang="en-US" smtClean="0"/>
-              <a:t>5/18/17</a:t>
+              <a:t>6/11/17</a:t>
             </a:fld>
             <a:endParaRPr lang="en-US"/>
           </a:p>
@@ -2830,7 +2830,7 @@
           <a:p>
             <a:fld id="{1564F22A-2C15-CB4B-A439-377E2FE6E35F}" type="datetimeFigureOut">
               <a:rPr lang="en-US" smtClean="0"/>
-              <a:t>5/18/17</a:t>
+              <a:t>6/11/17</a:t>
             </a:fld>
             <a:endParaRPr lang="en-US"/>
           </a:p>
@@ -3107,7 +3107,7 @@
           <a:p>
             <a:fld id="{1564F22A-2C15-CB4B-A439-377E2FE6E35F}" type="datetimeFigureOut">
               <a:rPr lang="en-US" smtClean="0"/>
-              <a:t>5/18/17</a:t>
+              <a:t>6/11/17</a:t>
             </a:fld>
             <a:endParaRPr lang="en-US"/>
           </a:p>
@@ -3360,7 +3360,7 @@
           <a:p>
             <a:fld id="{1564F22A-2C15-CB4B-A439-377E2FE6E35F}" type="datetimeFigureOut">
               <a:rPr lang="en-US" smtClean="0"/>
-              <a:t>5/18/17</a:t>
+              <a:t>6/11/17</a:t>
             </a:fld>
             <a:endParaRPr lang="en-US"/>
           </a:p>
@@ -3573,7 +3573,7 @@
           <a:p>
             <a:fld id="{1564F22A-2C15-CB4B-A439-377E2FE6E35F}" type="datetimeFigureOut">
               <a:rPr lang="en-US" smtClean="0"/>
-              <a:t>5/18/17</a:t>
+              <a:t>6/11/17</a:t>
             </a:fld>
             <a:endParaRPr lang="en-US"/>
           </a:p>
@@ -3989,24 +3989,30 @@
           <a:lstStyle/>
           <a:p>
             <a:r>
-              <a:rPr lang="en-US" dirty="0" smtClean="0"/>
-              <a:t>Daniel </a:t>
-            </a:r>
-            <a:r>
-              <a:rPr lang="en-US" dirty="0" err="1" smtClean="0"/>
-              <a:t>Chawla</a:t>
-            </a:r>
-            <a:r>
-              <a:rPr lang="en-US" dirty="0" smtClean="0"/>
-              <a:t>, Olivia Justynski, Jay Stanley, and </a:t>
-            </a:r>
-            <a:r>
-              <a:rPr lang="en-US" dirty="0" err="1" smtClean="0"/>
-              <a:t>Jiawei</a:t>
-            </a:r>
-            <a:r>
-              <a:rPr lang="en-US" dirty="0" smtClean="0"/>
-              <a:t> Wang</a:t>
+              <a:rPr lang="en-US" altLang="zh-CN" dirty="0" smtClean="0"/>
+              <a:t>CBB</a:t>
+            </a:r>
+            <a:r>
+              <a:rPr lang="zh-CN" altLang="en-US" dirty="0" smtClean="0"/>
+              <a:t> </a:t>
+            </a:r>
+            <a:r>
+              <a:rPr lang="en-US" altLang="zh-CN" dirty="0" smtClean="0"/>
+              <a:t>752</a:t>
+            </a:r>
+          </a:p>
+          <a:p>
+            <a:r>
+              <a:rPr lang="en-US" altLang="zh-CN" dirty="0" smtClean="0"/>
+              <a:t>Final</a:t>
+            </a:r>
+            <a:r>
+              <a:rPr lang="zh-CN" altLang="en-US" dirty="0" smtClean="0"/>
+              <a:t> </a:t>
+            </a:r>
+            <a:r>
+              <a:rPr lang="en-US" altLang="zh-CN" dirty="0" smtClean="0"/>
+              <a:t>project</a:t>
             </a:r>
             <a:endParaRPr lang="en-US" dirty="0"/>
           </a:p>
@@ -4095,42 +4101,42 @@
                 <a:gridCol w="1314450">
                   <a:extLst>
                     <a:ext uri="{9D8B030D-6E8A-4147-A177-3AD203B41FA5}">
-                      <a16:colId xmlns="" xmlns:a16="http://schemas.microsoft.com/office/drawing/2014/main" val="3518739994"/>
+                      <a16:colId xmlns:a16="http://schemas.microsoft.com/office/drawing/2014/main" xmlns="" val="3518739994"/>
                     </a:ext>
                   </a:extLst>
                 </a:gridCol>
                 <a:gridCol w="1314450">
                   <a:extLst>
                     <a:ext uri="{9D8B030D-6E8A-4147-A177-3AD203B41FA5}">
-                      <a16:colId xmlns="" xmlns:a16="http://schemas.microsoft.com/office/drawing/2014/main" val="924848717"/>
+                      <a16:colId xmlns:a16="http://schemas.microsoft.com/office/drawing/2014/main" xmlns="" val="924848717"/>
                     </a:ext>
                   </a:extLst>
                 </a:gridCol>
                 <a:gridCol w="1314450">
                   <a:extLst>
                     <a:ext uri="{9D8B030D-6E8A-4147-A177-3AD203B41FA5}">
-                      <a16:colId xmlns="" xmlns:a16="http://schemas.microsoft.com/office/drawing/2014/main" val="920929006"/>
+                      <a16:colId xmlns:a16="http://schemas.microsoft.com/office/drawing/2014/main" xmlns="" val="920929006"/>
                     </a:ext>
                   </a:extLst>
                 </a:gridCol>
                 <a:gridCol w="1314450">
                   <a:extLst>
                     <a:ext uri="{9D8B030D-6E8A-4147-A177-3AD203B41FA5}">
-                      <a16:colId xmlns="" xmlns:a16="http://schemas.microsoft.com/office/drawing/2014/main" val="2907751264"/>
+                      <a16:colId xmlns:a16="http://schemas.microsoft.com/office/drawing/2014/main" xmlns="" val="2907751264"/>
                     </a:ext>
                   </a:extLst>
                 </a:gridCol>
                 <a:gridCol w="1314450">
                   <a:extLst>
                     <a:ext uri="{9D8B030D-6E8A-4147-A177-3AD203B41FA5}">
-                      <a16:colId xmlns="" xmlns:a16="http://schemas.microsoft.com/office/drawing/2014/main" val="1517323258"/>
+                      <a16:colId xmlns:a16="http://schemas.microsoft.com/office/drawing/2014/main" xmlns="" val="1517323258"/>
                     </a:ext>
                   </a:extLst>
                 </a:gridCol>
                 <a:gridCol w="1314450">
                   <a:extLst>
                     <a:ext uri="{9D8B030D-6E8A-4147-A177-3AD203B41FA5}">
-                      <a16:colId xmlns="" xmlns:a16="http://schemas.microsoft.com/office/drawing/2014/main" val="974522605"/>
+                      <a16:colId xmlns:a16="http://schemas.microsoft.com/office/drawing/2014/main" xmlns="" val="974522605"/>
                     </a:ext>
                   </a:extLst>
                 </a:gridCol>
@@ -4288,7 +4294,7 @@
                 </a:tc>
                 <a:extLst>
                   <a:ext uri="{0D108BD9-81ED-4DB2-BD59-A6C34878D82A}">
-                    <a16:rowId xmlns="" xmlns:a16="http://schemas.microsoft.com/office/drawing/2014/main" val="983309287"/>
+                    <a16:rowId xmlns:a16="http://schemas.microsoft.com/office/drawing/2014/main" xmlns="" val="983309287"/>
                   </a:ext>
                 </a:extLst>
               </a:tr>
@@ -4415,7 +4421,7 @@
                 </a:tc>
                 <a:extLst>
                   <a:ext uri="{0D108BD9-81ED-4DB2-BD59-A6C34878D82A}">
-                    <a16:rowId xmlns="" xmlns:a16="http://schemas.microsoft.com/office/drawing/2014/main" val="69182184"/>
+                    <a16:rowId xmlns:a16="http://schemas.microsoft.com/office/drawing/2014/main" xmlns="" val="69182184"/>
                   </a:ext>
                 </a:extLst>
               </a:tr>
@@ -4542,7 +4548,7 @@
                 </a:tc>
                 <a:extLst>
                   <a:ext uri="{0D108BD9-81ED-4DB2-BD59-A6C34878D82A}">
-                    <a16:rowId xmlns="" xmlns:a16="http://schemas.microsoft.com/office/drawing/2014/main" val="330693263"/>
+                    <a16:rowId xmlns:a16="http://schemas.microsoft.com/office/drawing/2014/main" xmlns="" val="330693263"/>
                   </a:ext>
                 </a:extLst>
               </a:tr>
@@ -4669,7 +4675,7 @@
                 </a:tc>
                 <a:extLst>
                   <a:ext uri="{0D108BD9-81ED-4DB2-BD59-A6C34878D82A}">
-                    <a16:rowId xmlns="" xmlns:a16="http://schemas.microsoft.com/office/drawing/2014/main" val="1878148851"/>
+                    <a16:rowId xmlns:a16="http://schemas.microsoft.com/office/drawing/2014/main" xmlns="" val="1878148851"/>
                   </a:ext>
                 </a:extLst>
               </a:tr>
@@ -4796,7 +4802,7 @@
                 </a:tc>
                 <a:extLst>
                   <a:ext uri="{0D108BD9-81ED-4DB2-BD59-A6C34878D82A}">
-                    <a16:rowId xmlns="" xmlns:a16="http://schemas.microsoft.com/office/drawing/2014/main" val="3652647779"/>
+                    <a16:rowId xmlns:a16="http://schemas.microsoft.com/office/drawing/2014/main" xmlns="" val="3652647779"/>
                   </a:ext>
                 </a:extLst>
               </a:tr>
@@ -4923,7 +4929,7 @@
                 </a:tc>
                 <a:extLst>
                   <a:ext uri="{0D108BD9-81ED-4DB2-BD59-A6C34878D82A}">
-                    <a16:rowId xmlns="" xmlns:a16="http://schemas.microsoft.com/office/drawing/2014/main" val="1996098709"/>
+                    <a16:rowId xmlns:a16="http://schemas.microsoft.com/office/drawing/2014/main" xmlns="" val="1996098709"/>
                   </a:ext>
                 </a:extLst>
               </a:tr>
@@ -5050,7 +5056,7 @@
                 </a:tc>
                 <a:extLst>
                   <a:ext uri="{0D108BD9-81ED-4DB2-BD59-A6C34878D82A}">
-                    <a16:rowId xmlns="" xmlns:a16="http://schemas.microsoft.com/office/drawing/2014/main" val="750388046"/>
+                    <a16:rowId xmlns:a16="http://schemas.microsoft.com/office/drawing/2014/main" xmlns="" val="750388046"/>
                   </a:ext>
                 </a:extLst>
               </a:tr>
@@ -5177,7 +5183,7 @@
                 </a:tc>
                 <a:extLst>
                   <a:ext uri="{0D108BD9-81ED-4DB2-BD59-A6C34878D82A}">
-                    <a16:rowId xmlns="" xmlns:a16="http://schemas.microsoft.com/office/drawing/2014/main" val="217637448"/>
+                    <a16:rowId xmlns:a16="http://schemas.microsoft.com/office/drawing/2014/main" xmlns="" val="217637448"/>
                   </a:ext>
                 </a:extLst>
               </a:tr>
@@ -5304,7 +5310,7 @@
                 </a:tc>
                 <a:extLst>
                   <a:ext uri="{0D108BD9-81ED-4DB2-BD59-A6C34878D82A}">
-                    <a16:rowId xmlns="" xmlns:a16="http://schemas.microsoft.com/office/drawing/2014/main" val="3143308900"/>
+                    <a16:rowId xmlns:a16="http://schemas.microsoft.com/office/drawing/2014/main" xmlns="" val="3143308900"/>
                   </a:ext>
                 </a:extLst>
               </a:tr>
@@ -5431,7 +5437,7 @@
                 </a:tc>
                 <a:extLst>
                   <a:ext uri="{0D108BD9-81ED-4DB2-BD59-A6C34878D82A}">
-                    <a16:rowId xmlns="" xmlns:a16="http://schemas.microsoft.com/office/drawing/2014/main" val="3677157615"/>
+                    <a16:rowId xmlns:a16="http://schemas.microsoft.com/office/drawing/2014/main" xmlns="" val="3677157615"/>
                   </a:ext>
                 </a:extLst>
               </a:tr>
@@ -5496,7 +5502,7 @@
           <p:cNvPr id="4" name="Content Placeholder 3">
             <a:extLst>
               <a:ext uri="{FF2B5EF4-FFF2-40B4-BE49-F238E27FC236}">
-                <a16:creationId xmlns="" xmlns:a16="http://schemas.microsoft.com/office/drawing/2014/main" id="{C542B712-97DE-4882-9ABA-B40F0D87E662}"/>
+                <a16:creationId xmlns:a16="http://schemas.microsoft.com/office/drawing/2014/main" xmlns="" id="{C542B712-97DE-4882-9ABA-B40F0D87E662}"/>
               </a:ext>
             </a:extLst>
           </p:cNvPr>
